--- a/dataScienceTask/Chronic_Kidney_Disease_V.1.pptx
+++ b/dataScienceTask/Chronic_Kidney_Disease_V.1.pptx
@@ -368,7 +368,7 @@
           <a:p>
             <a:fld id="{9184DA70-C731-4C70-880D-CCD4705E623C}" type="datetime1">
               <a:rPr lang="en-US" smtClean="0"/>
-              <a:t>2/20/2020</a:t>
+              <a:t>2/21/2020</a:t>
             </a:fld>
             <a:endParaRPr lang="en-US" dirty="0"/>
           </a:p>
@@ -556,7 +556,7 @@
           <a:p>
             <a:fld id="{B612A279-0833-481D-8C56-F67FD0AC6C50}" type="datetime1">
               <a:rPr lang="en-US" smtClean="0"/>
-              <a:t>2/20/2020</a:t>
+              <a:t>2/21/2020</a:t>
             </a:fld>
             <a:endParaRPr lang="en-US" dirty="0"/>
           </a:p>
@@ -798,7 +798,7 @@
           <a:p>
             <a:fld id="{6587DA83-5663-4C9C-B9AA-0B40A3DAFF81}" type="datetime1">
               <a:rPr lang="en-US" smtClean="0"/>
-              <a:t>2/20/2020</a:t>
+              <a:t>2/21/2020</a:t>
             </a:fld>
             <a:endParaRPr lang="en-US" dirty="0"/>
           </a:p>
@@ -986,7 +986,7 @@
           <a:p>
             <a:fld id="{4BE1D723-8F53-4F53-90B0-1982A396982E}" type="datetime1">
               <a:rPr lang="en-US" smtClean="0"/>
-              <a:t>2/20/2020</a:t>
+              <a:t>2/21/2020</a:t>
             </a:fld>
             <a:endParaRPr lang="en-US" dirty="0"/>
           </a:p>
@@ -1359,7 +1359,7 @@
           <a:p>
             <a:fld id="{97669AF7-7BEB-44E4-9852-375E34362B5B}" type="datetime1">
               <a:rPr lang="en-US" smtClean="0"/>
-              <a:t>2/20/2020</a:t>
+              <a:t>2/21/2020</a:t>
             </a:fld>
             <a:endParaRPr lang="en-US" dirty="0"/>
           </a:p>
@@ -1614,7 +1614,7 @@
           <a:p>
             <a:fld id="{BAAAC38D-0552-4C82-B593-E6124DFADBE2}" type="datetime1">
               <a:rPr lang="en-US" smtClean="0"/>
-              <a:t>2/20/2020</a:t>
+              <a:t>2/21/2020</a:t>
             </a:fld>
             <a:endParaRPr lang="en-US" dirty="0"/>
           </a:p>
@@ -2011,7 +2011,7 @@
           <a:p>
             <a:fld id="{D9DF0F1C-5577-4ACB-BB62-DF8F3C494C7E}" type="datetime1">
               <a:rPr lang="en-US" smtClean="0"/>
-              <a:t>2/20/2020</a:t>
+              <a:t>2/21/2020</a:t>
             </a:fld>
             <a:endParaRPr lang="en-US" dirty="0"/>
           </a:p>
@@ -2147,7 +2147,7 @@
           <a:p>
             <a:fld id="{1775B394-D9F9-4F0C-B15D-605F45CB9E9F}" type="datetime1">
               <a:rPr lang="en-US" smtClean="0"/>
-              <a:t>2/20/2020</a:t>
+              <a:t>2/21/2020</a:t>
             </a:fld>
             <a:endParaRPr lang="en-US" dirty="0"/>
           </a:p>
@@ -2304,7 +2304,7 @@
           <a:p>
             <a:fld id="{39667345-2558-425A-8533-9BFDBCE15005}" type="datetime1">
               <a:rPr lang="en-US" smtClean="0"/>
-              <a:t>2/20/2020</a:t>
+              <a:t>2/21/2020</a:t>
             </a:fld>
             <a:endParaRPr lang="en-US" dirty="0"/>
           </a:p>
@@ -2633,7 +2633,7 @@
           <a:p>
             <a:fld id="{92BEA474-078D-4E9B-9B14-09A87B19DC46}" type="datetime1">
               <a:rPr lang="en-US" smtClean="0"/>
-              <a:t>2/20/2020</a:t>
+              <a:t>2/21/2020</a:t>
             </a:fld>
             <a:endParaRPr lang="en-US" dirty="0"/>
           </a:p>
@@ -2983,7 +2983,7 @@
           <a:p>
             <a:fld id="{4907D986-8816-4272-A432-0437A28A9828}" type="datetime1">
               <a:rPr lang="en-US" smtClean="0"/>
-              <a:t>2/20/2020</a:t>
+              <a:t>2/21/2020</a:t>
             </a:fld>
             <a:endParaRPr lang="en-US" dirty="0"/>
           </a:p>
@@ -3244,7 +3244,7 @@
           <a:p>
             <a:fld id="{62D6E202-B606-4609-B914-27C9371A1F6D}" type="datetime1">
               <a:rPr lang="en-US" smtClean="0"/>
-              <a:t>2/20/2020</a:t>
+              <a:t>2/21/2020</a:t>
             </a:fld>
             <a:endParaRPr lang="en-US" dirty="0"/>
           </a:p>
@@ -6055,7 +6055,7 @@
                   <a:srgbClr val="FFFFFF"/>
                 </a:solidFill>
               </a:rPr>
-              <a:t>make through the model with extra care.</a:t>
+              <a:t>make through the model with extra care and proper medication…</a:t>
             </a:r>
             <a:br>
               <a:rPr lang="en-US" sz="4400" i="1" dirty="0">
